--- a/files/presentation.pptx
+++ b/files/presentation.pptx
@@ -6,11 +6,13 @@
   </p:sldMasterIdLst>
   <p:sldIdLst>
     <p:sldId id="256" r:id="rId2"/>
-    <p:sldId id="257" r:id="rId3"/>
-    <p:sldId id="258" r:id="rId4"/>
-    <p:sldId id="259" r:id="rId5"/>
-    <p:sldId id="260" r:id="rId6"/>
-    <p:sldId id="261" r:id="rId7"/>
+    <p:sldId id="258" r:id="rId3"/>
+    <p:sldId id="259" r:id="rId4"/>
+    <p:sldId id="260" r:id="rId5"/>
+    <p:sldId id="261" r:id="rId6"/>
+    <p:sldId id="262" r:id="rId7"/>
+    <p:sldId id="263" r:id="rId8"/>
+    <p:sldId id="264" r:id="rId9"/>
   </p:sldIdLst>
   <p:sldSz cx="12192000" cy="6858000"/>
   <p:notesSz cx="6858000" cy="9144000"/>
@@ -109,6 +111,11 @@
       </a:defRPr>
     </a:lvl9pPr>
   </p:defaultTextStyle>
+  <p:extLst>
+    <p:ext uri="{EFAFB233-063F-42B5-8137-9DF3F51BA10A}">
+      <p15:sldGuideLst xmlns:p15="http://schemas.microsoft.com/office/powerpoint/2012/main"/>
+    </p:ext>
+  </p:extLst>
 </p:presentation>
 </file>
 
@@ -243,7 +250,7 @@
           <a:p>
             <a:fld id="{8A09164F-F136-4AB1-ACD8-0DDB13D12491}" type="datetimeFigureOut">
               <a:rPr lang="ru-RU" smtClean="0"/>
-              <a:t>30.11.2024</a:t>
+              <a:t>10.12.2024</a:t>
             </a:fld>
             <a:endParaRPr lang="ru-RU"/>
           </a:p>
@@ -413,7 +420,7 @@
           <a:p>
             <a:fld id="{8A09164F-F136-4AB1-ACD8-0DDB13D12491}" type="datetimeFigureOut">
               <a:rPr lang="ru-RU" smtClean="0"/>
-              <a:t>30.11.2024</a:t>
+              <a:t>10.12.2024</a:t>
             </a:fld>
             <a:endParaRPr lang="ru-RU"/>
           </a:p>
@@ -593,7 +600,7 @@
           <a:p>
             <a:fld id="{8A09164F-F136-4AB1-ACD8-0DDB13D12491}" type="datetimeFigureOut">
               <a:rPr lang="ru-RU" smtClean="0"/>
-              <a:t>30.11.2024</a:t>
+              <a:t>10.12.2024</a:t>
             </a:fld>
             <a:endParaRPr lang="ru-RU"/>
           </a:p>
@@ -763,7 +770,7 @@
           <a:p>
             <a:fld id="{8A09164F-F136-4AB1-ACD8-0DDB13D12491}" type="datetimeFigureOut">
               <a:rPr lang="ru-RU" smtClean="0"/>
-              <a:t>30.11.2024</a:t>
+              <a:t>10.12.2024</a:t>
             </a:fld>
             <a:endParaRPr lang="ru-RU"/>
           </a:p>
@@ -1009,7 +1016,7 @@
           <a:p>
             <a:fld id="{8A09164F-F136-4AB1-ACD8-0DDB13D12491}" type="datetimeFigureOut">
               <a:rPr lang="ru-RU" smtClean="0"/>
-              <a:t>30.11.2024</a:t>
+              <a:t>10.12.2024</a:t>
             </a:fld>
             <a:endParaRPr lang="ru-RU"/>
           </a:p>
@@ -1241,7 +1248,7 @@
           <a:p>
             <a:fld id="{8A09164F-F136-4AB1-ACD8-0DDB13D12491}" type="datetimeFigureOut">
               <a:rPr lang="ru-RU" smtClean="0"/>
-              <a:t>30.11.2024</a:t>
+              <a:t>10.12.2024</a:t>
             </a:fld>
             <a:endParaRPr lang="ru-RU"/>
           </a:p>
@@ -1608,7 +1615,7 @@
           <a:p>
             <a:fld id="{8A09164F-F136-4AB1-ACD8-0DDB13D12491}" type="datetimeFigureOut">
               <a:rPr lang="ru-RU" smtClean="0"/>
-              <a:t>30.11.2024</a:t>
+              <a:t>10.12.2024</a:t>
             </a:fld>
             <a:endParaRPr lang="ru-RU"/>
           </a:p>
@@ -1726,7 +1733,7 @@
           <a:p>
             <a:fld id="{8A09164F-F136-4AB1-ACD8-0DDB13D12491}" type="datetimeFigureOut">
               <a:rPr lang="ru-RU" smtClean="0"/>
-              <a:t>30.11.2024</a:t>
+              <a:t>10.12.2024</a:t>
             </a:fld>
             <a:endParaRPr lang="ru-RU"/>
           </a:p>
@@ -1821,7 +1828,7 @@
           <a:p>
             <a:fld id="{8A09164F-F136-4AB1-ACD8-0DDB13D12491}" type="datetimeFigureOut">
               <a:rPr lang="ru-RU" smtClean="0"/>
-              <a:t>30.11.2024</a:t>
+              <a:t>10.12.2024</a:t>
             </a:fld>
             <a:endParaRPr lang="ru-RU"/>
           </a:p>
@@ -2098,7 +2105,7 @@
           <a:p>
             <a:fld id="{8A09164F-F136-4AB1-ACD8-0DDB13D12491}" type="datetimeFigureOut">
               <a:rPr lang="ru-RU" smtClean="0"/>
-              <a:t>30.11.2024</a:t>
+              <a:t>10.12.2024</a:t>
             </a:fld>
             <a:endParaRPr lang="ru-RU"/>
           </a:p>
@@ -2351,7 +2358,7 @@
           <a:p>
             <a:fld id="{8A09164F-F136-4AB1-ACD8-0DDB13D12491}" type="datetimeFigureOut">
               <a:rPr lang="ru-RU" smtClean="0"/>
-              <a:t>30.11.2024</a:t>
+              <a:t>10.12.2024</a:t>
             </a:fld>
             <a:endParaRPr lang="ru-RU"/>
           </a:p>
@@ -2564,7 +2571,7 @@
           <a:p>
             <a:fld id="{8A09164F-F136-4AB1-ACD8-0DDB13D12491}" type="datetimeFigureOut">
               <a:rPr lang="ru-RU" smtClean="0"/>
-              <a:t>30.11.2024</a:t>
+              <a:t>10.12.2024</a:t>
             </a:fld>
             <a:endParaRPr lang="ru-RU"/>
           </a:p>
@@ -2971,7 +2978,7 @@
       </p:grpSpPr>
       <p:pic>
         <p:nvPicPr>
-          <p:cNvPr id="4" name="Рисунок 3"/>
+          <p:cNvPr id="2" name="Рисунок 1"/>
           <p:cNvPicPr>
             <a:picLocks noChangeAspect="1"/>
           </p:cNvPicPr>
@@ -2992,7 +2999,7 @@
         <p:spPr>
           <a:xfrm>
             <a:off x="0" y="0"/>
-            <a:ext cx="12344400" cy="6858000"/>
+            <a:ext cx="12192000" cy="6858000"/>
           </a:xfrm>
           <a:prstGeom prst="rect">
             <a:avLst/>
@@ -3038,7 +3045,7 @@
       </p:grpSpPr>
       <p:pic>
         <p:nvPicPr>
-          <p:cNvPr id="2" name="Рисунок 1"/>
+          <p:cNvPr id="3" name="Рисунок 2"/>
           <p:cNvPicPr>
             <a:picLocks noChangeAspect="1"/>
           </p:cNvPicPr>
@@ -3058,8 +3065,8 @@
         </p:blipFill>
         <p:spPr>
           <a:xfrm>
-            <a:off x="0" y="1785"/>
-            <a:ext cx="12192000" cy="6854430"/>
+            <a:off x="0" y="0"/>
+            <a:ext cx="12192000" cy="6858000"/>
           </a:xfrm>
           <a:prstGeom prst="rect">
             <a:avLst/>
@@ -3069,7 +3076,7 @@
     </p:spTree>
     <p:extLst>
       <p:ext uri="{BB962C8B-B14F-4D97-AF65-F5344CB8AC3E}">
-        <p14:creationId xmlns:p14="http://schemas.microsoft.com/office/powerpoint/2010/main" val="1461352622"/>
+        <p14:creationId xmlns:p14="http://schemas.microsoft.com/office/powerpoint/2010/main" val="2777111103"/>
       </p:ext>
     </p:extLst>
   </p:cSld>
@@ -3105,7 +3112,7 @@
       </p:grpSpPr>
       <p:pic>
         <p:nvPicPr>
-          <p:cNvPr id="2" name="Рисунок 1"/>
+          <p:cNvPr id="3" name="Рисунок 2"/>
           <p:cNvPicPr>
             <a:picLocks noChangeAspect="1"/>
           </p:cNvPicPr>
@@ -3125,8 +3132,8 @@
         </p:blipFill>
         <p:spPr>
           <a:xfrm>
-            <a:off x="0" y="1785"/>
-            <a:ext cx="12192000" cy="6854430"/>
+            <a:off x="0" y="0"/>
+            <a:ext cx="12192000" cy="6858000"/>
           </a:xfrm>
           <a:prstGeom prst="rect">
             <a:avLst/>
@@ -3136,7 +3143,7 @@
     </p:spTree>
     <p:extLst>
       <p:ext uri="{BB962C8B-B14F-4D97-AF65-F5344CB8AC3E}">
-        <p14:creationId xmlns:p14="http://schemas.microsoft.com/office/powerpoint/2010/main" val="2777111103"/>
+        <p14:creationId xmlns:p14="http://schemas.microsoft.com/office/powerpoint/2010/main" val="1052168225"/>
       </p:ext>
     </p:extLst>
   </p:cSld>
@@ -3172,7 +3179,7 @@
       </p:grpSpPr>
       <p:pic>
         <p:nvPicPr>
-          <p:cNvPr id="2" name="Рисунок 1"/>
+          <p:cNvPr id="3" name="Рисунок 2"/>
           <p:cNvPicPr>
             <a:picLocks noChangeAspect="1"/>
           </p:cNvPicPr>
@@ -3193,7 +3200,7 @@
         <p:spPr>
           <a:xfrm>
             <a:off x="0" y="0"/>
-            <a:ext cx="12211050" cy="6858000"/>
+            <a:ext cx="12192000" cy="6858000"/>
           </a:xfrm>
           <a:prstGeom prst="rect">
             <a:avLst/>
@@ -3203,7 +3210,7 @@
     </p:spTree>
     <p:extLst>
       <p:ext uri="{BB962C8B-B14F-4D97-AF65-F5344CB8AC3E}">
-        <p14:creationId xmlns:p14="http://schemas.microsoft.com/office/powerpoint/2010/main" val="1052168225"/>
+        <p14:creationId xmlns:p14="http://schemas.microsoft.com/office/powerpoint/2010/main" val="4154811638"/>
       </p:ext>
     </p:extLst>
   </p:cSld>
@@ -3259,8 +3266,8 @@
         </p:blipFill>
         <p:spPr>
           <a:xfrm>
-            <a:off x="0" y="1785"/>
-            <a:ext cx="12192000" cy="6854430"/>
+            <a:off x="0" y="0"/>
+            <a:ext cx="12192000" cy="6858000"/>
           </a:xfrm>
           <a:prstGeom prst="rect">
             <a:avLst/>
@@ -3270,7 +3277,7 @@
     </p:spTree>
     <p:extLst>
       <p:ext uri="{BB962C8B-B14F-4D97-AF65-F5344CB8AC3E}">
-        <p14:creationId xmlns:p14="http://schemas.microsoft.com/office/powerpoint/2010/main" val="4154811638"/>
+        <p14:creationId xmlns:p14="http://schemas.microsoft.com/office/powerpoint/2010/main" val="264046506"/>
       </p:ext>
     </p:extLst>
   </p:cSld>
@@ -3306,7 +3313,7 @@
       </p:grpSpPr>
       <p:pic>
         <p:nvPicPr>
-          <p:cNvPr id="8" name="Рисунок 7"/>
+          <p:cNvPr id="2" name="Рисунок 1"/>
           <p:cNvPicPr>
             <a:picLocks noChangeAspect="1"/>
           </p:cNvPicPr>
@@ -3327,7 +3334,7 @@
         <p:spPr>
           <a:xfrm>
             <a:off x="0" y="0"/>
-            <a:ext cx="12268200" cy="6897270"/>
+            <a:ext cx="12192000" cy="6858000"/>
           </a:xfrm>
           <a:prstGeom prst="rect">
             <a:avLst/>
@@ -3337,7 +3344,141 @@
     </p:spTree>
     <p:extLst>
       <p:ext uri="{BB962C8B-B14F-4D97-AF65-F5344CB8AC3E}">
-        <p14:creationId xmlns:p14="http://schemas.microsoft.com/office/powerpoint/2010/main" val="2014904447"/>
+        <p14:creationId xmlns:p14="http://schemas.microsoft.com/office/powerpoint/2010/main" val="3317230230"/>
+      </p:ext>
+    </p:extLst>
+  </p:cSld>
+  <p:clrMapOvr>
+    <a:masterClrMapping/>
+  </p:clrMapOvr>
+  <p:timing>
+    <p:tnLst>
+      <p:par>
+        <p:cTn id="1" dur="indefinite" restart="never" nodeType="tmRoot"/>
+      </p:par>
+    </p:tnLst>
+  </p:timing>
+</p:sld>
+</file>
+
+<file path=ppt/slides/slide7.xml><?xml version="1.0" encoding="utf-8"?>
+<p:sld xmlns:a="http://schemas.openxmlformats.org/drawingml/2006/main" xmlns:r="http://schemas.openxmlformats.org/officeDocument/2006/relationships" xmlns:p="http://schemas.openxmlformats.org/presentationml/2006/main">
+  <p:cSld>
+    <p:spTree>
+      <p:nvGrpSpPr>
+        <p:cNvPr id="1" name=""/>
+        <p:cNvGrpSpPr/>
+        <p:nvPr/>
+      </p:nvGrpSpPr>
+      <p:grpSpPr>
+        <a:xfrm>
+          <a:off x="0" y="0"/>
+          <a:ext cx="0" cy="0"/>
+          <a:chOff x="0" y="0"/>
+          <a:chExt cx="0" cy="0"/>
+        </a:xfrm>
+      </p:grpSpPr>
+      <p:pic>
+        <p:nvPicPr>
+          <p:cNvPr id="2" name="Рисунок 1"/>
+          <p:cNvPicPr>
+            <a:picLocks noChangeAspect="1"/>
+          </p:cNvPicPr>
+          <p:nvPr/>
+        </p:nvPicPr>
+        <p:blipFill>
+          <a:blip r:embed="rId2">
+            <a:extLst>
+              <a:ext uri="{28A0092B-C50C-407E-A947-70E740481C1C}">
+                <a14:useLocalDpi xmlns:a14="http://schemas.microsoft.com/office/drawing/2010/main" val="0"/>
+              </a:ext>
+            </a:extLst>
+          </a:blip>
+          <a:stretch>
+            <a:fillRect/>
+          </a:stretch>
+        </p:blipFill>
+        <p:spPr>
+          <a:xfrm>
+            <a:off x="0" y="0"/>
+            <a:ext cx="12192000" cy="6858000"/>
+          </a:xfrm>
+          <a:prstGeom prst="rect">
+            <a:avLst/>
+          </a:prstGeom>
+        </p:spPr>
+      </p:pic>
+    </p:spTree>
+    <p:extLst>
+      <p:ext uri="{BB962C8B-B14F-4D97-AF65-F5344CB8AC3E}">
+        <p14:creationId xmlns:p14="http://schemas.microsoft.com/office/powerpoint/2010/main" val="2878467212"/>
+      </p:ext>
+    </p:extLst>
+  </p:cSld>
+  <p:clrMapOvr>
+    <a:masterClrMapping/>
+  </p:clrMapOvr>
+  <p:timing>
+    <p:tnLst>
+      <p:par>
+        <p:cTn id="1" dur="indefinite" restart="never" nodeType="tmRoot"/>
+      </p:par>
+    </p:tnLst>
+  </p:timing>
+</p:sld>
+</file>
+
+<file path=ppt/slides/slide8.xml><?xml version="1.0" encoding="utf-8"?>
+<p:sld xmlns:a="http://schemas.openxmlformats.org/drawingml/2006/main" xmlns:r="http://schemas.openxmlformats.org/officeDocument/2006/relationships" xmlns:p="http://schemas.openxmlformats.org/presentationml/2006/main">
+  <p:cSld>
+    <p:spTree>
+      <p:nvGrpSpPr>
+        <p:cNvPr id="1" name=""/>
+        <p:cNvGrpSpPr/>
+        <p:nvPr/>
+      </p:nvGrpSpPr>
+      <p:grpSpPr>
+        <a:xfrm>
+          <a:off x="0" y="0"/>
+          <a:ext cx="0" cy="0"/>
+          <a:chOff x="0" y="0"/>
+          <a:chExt cx="0" cy="0"/>
+        </a:xfrm>
+      </p:grpSpPr>
+      <p:pic>
+        <p:nvPicPr>
+          <p:cNvPr id="2" name="Рисунок 1"/>
+          <p:cNvPicPr>
+            <a:picLocks noChangeAspect="1"/>
+          </p:cNvPicPr>
+          <p:nvPr/>
+        </p:nvPicPr>
+        <p:blipFill>
+          <a:blip r:embed="rId2">
+            <a:extLst>
+              <a:ext uri="{28A0092B-C50C-407E-A947-70E740481C1C}">
+                <a14:useLocalDpi xmlns:a14="http://schemas.microsoft.com/office/drawing/2010/main" val="0"/>
+              </a:ext>
+            </a:extLst>
+          </a:blip>
+          <a:stretch>
+            <a:fillRect/>
+          </a:stretch>
+        </p:blipFill>
+        <p:spPr>
+          <a:xfrm>
+            <a:off x="0" y="0"/>
+            <a:ext cx="12192000" cy="6858000"/>
+          </a:xfrm>
+          <a:prstGeom prst="rect">
+            <a:avLst/>
+          </a:prstGeom>
+        </p:spPr>
+      </p:pic>
+    </p:spTree>
+    <p:extLst>
+      <p:ext uri="{BB962C8B-B14F-4D97-AF65-F5344CB8AC3E}">
+        <p14:creationId xmlns:p14="http://schemas.microsoft.com/office/powerpoint/2010/main" val="2493451017"/>
       </p:ext>
     </p:extLst>
   </p:cSld>

--- a/files/presentation.pptx
+++ b/files/presentation.pptx
@@ -13,6 +13,7 @@
     <p:sldId id="262" r:id="rId7"/>
     <p:sldId id="263" r:id="rId8"/>
     <p:sldId id="264" r:id="rId9"/>
+    <p:sldId id="265" r:id="rId10"/>
   </p:sldIdLst>
   <p:sldSz cx="12192000" cy="6858000"/>
   <p:notesSz cx="6858000" cy="9144000"/>
@@ -250,7 +251,7 @@
           <a:p>
             <a:fld id="{8A09164F-F136-4AB1-ACD8-0DDB13D12491}" type="datetimeFigureOut">
               <a:rPr lang="ru-RU" smtClean="0"/>
-              <a:t>10.12.2024</a:t>
+              <a:t>15.12.2024</a:t>
             </a:fld>
             <a:endParaRPr lang="ru-RU"/>
           </a:p>
@@ -420,7 +421,7 @@
           <a:p>
             <a:fld id="{8A09164F-F136-4AB1-ACD8-0DDB13D12491}" type="datetimeFigureOut">
               <a:rPr lang="ru-RU" smtClean="0"/>
-              <a:t>10.12.2024</a:t>
+              <a:t>15.12.2024</a:t>
             </a:fld>
             <a:endParaRPr lang="ru-RU"/>
           </a:p>
@@ -600,7 +601,7 @@
           <a:p>
             <a:fld id="{8A09164F-F136-4AB1-ACD8-0DDB13D12491}" type="datetimeFigureOut">
               <a:rPr lang="ru-RU" smtClean="0"/>
-              <a:t>10.12.2024</a:t>
+              <a:t>15.12.2024</a:t>
             </a:fld>
             <a:endParaRPr lang="ru-RU"/>
           </a:p>
@@ -770,7 +771,7 @@
           <a:p>
             <a:fld id="{8A09164F-F136-4AB1-ACD8-0DDB13D12491}" type="datetimeFigureOut">
               <a:rPr lang="ru-RU" smtClean="0"/>
-              <a:t>10.12.2024</a:t>
+              <a:t>15.12.2024</a:t>
             </a:fld>
             <a:endParaRPr lang="ru-RU"/>
           </a:p>
@@ -1016,7 +1017,7 @@
           <a:p>
             <a:fld id="{8A09164F-F136-4AB1-ACD8-0DDB13D12491}" type="datetimeFigureOut">
               <a:rPr lang="ru-RU" smtClean="0"/>
-              <a:t>10.12.2024</a:t>
+              <a:t>15.12.2024</a:t>
             </a:fld>
             <a:endParaRPr lang="ru-RU"/>
           </a:p>
@@ -1248,7 +1249,7 @@
           <a:p>
             <a:fld id="{8A09164F-F136-4AB1-ACD8-0DDB13D12491}" type="datetimeFigureOut">
               <a:rPr lang="ru-RU" smtClean="0"/>
-              <a:t>10.12.2024</a:t>
+              <a:t>15.12.2024</a:t>
             </a:fld>
             <a:endParaRPr lang="ru-RU"/>
           </a:p>
@@ -1615,7 +1616,7 @@
           <a:p>
             <a:fld id="{8A09164F-F136-4AB1-ACD8-0DDB13D12491}" type="datetimeFigureOut">
               <a:rPr lang="ru-RU" smtClean="0"/>
-              <a:t>10.12.2024</a:t>
+              <a:t>15.12.2024</a:t>
             </a:fld>
             <a:endParaRPr lang="ru-RU"/>
           </a:p>
@@ -1733,7 +1734,7 @@
           <a:p>
             <a:fld id="{8A09164F-F136-4AB1-ACD8-0DDB13D12491}" type="datetimeFigureOut">
               <a:rPr lang="ru-RU" smtClean="0"/>
-              <a:t>10.12.2024</a:t>
+              <a:t>15.12.2024</a:t>
             </a:fld>
             <a:endParaRPr lang="ru-RU"/>
           </a:p>
@@ -1828,7 +1829,7 @@
           <a:p>
             <a:fld id="{8A09164F-F136-4AB1-ACD8-0DDB13D12491}" type="datetimeFigureOut">
               <a:rPr lang="ru-RU" smtClean="0"/>
-              <a:t>10.12.2024</a:t>
+              <a:t>15.12.2024</a:t>
             </a:fld>
             <a:endParaRPr lang="ru-RU"/>
           </a:p>
@@ -2105,7 +2106,7 @@
           <a:p>
             <a:fld id="{8A09164F-F136-4AB1-ACD8-0DDB13D12491}" type="datetimeFigureOut">
               <a:rPr lang="ru-RU" smtClean="0"/>
-              <a:t>10.12.2024</a:t>
+              <a:t>15.12.2024</a:t>
             </a:fld>
             <a:endParaRPr lang="ru-RU"/>
           </a:p>
@@ -2358,7 +2359,7 @@
           <a:p>
             <a:fld id="{8A09164F-F136-4AB1-ACD8-0DDB13D12491}" type="datetimeFigureOut">
               <a:rPr lang="ru-RU" smtClean="0"/>
-              <a:t>10.12.2024</a:t>
+              <a:t>15.12.2024</a:t>
             </a:fld>
             <a:endParaRPr lang="ru-RU"/>
           </a:p>
@@ -2571,7 +2572,7 @@
           <a:p>
             <a:fld id="{8A09164F-F136-4AB1-ACD8-0DDB13D12491}" type="datetimeFigureOut">
               <a:rPr lang="ru-RU" smtClean="0"/>
-              <a:t>10.12.2024</a:t>
+              <a:t>15.12.2024</a:t>
             </a:fld>
             <a:endParaRPr lang="ru-RU"/>
           </a:p>
@@ -3112,7 +3113,7 @@
       </p:grpSpPr>
       <p:pic>
         <p:nvPicPr>
-          <p:cNvPr id="3" name="Рисунок 2"/>
+          <p:cNvPr id="2" name="Рисунок 1"/>
           <p:cNvPicPr>
             <a:picLocks noChangeAspect="1"/>
           </p:cNvPicPr>
@@ -3380,7 +3381,7 @@
       </p:grpSpPr>
       <p:pic>
         <p:nvPicPr>
-          <p:cNvPr id="2" name="Рисунок 1"/>
+          <p:cNvPr id="3" name="Рисунок 2"/>
           <p:cNvPicPr>
             <a:picLocks noChangeAspect="1"/>
           </p:cNvPicPr>
@@ -3479,6 +3480,73 @@
     <p:extLst>
       <p:ext uri="{BB962C8B-B14F-4D97-AF65-F5344CB8AC3E}">
         <p14:creationId xmlns:p14="http://schemas.microsoft.com/office/powerpoint/2010/main" val="2493451017"/>
+      </p:ext>
+    </p:extLst>
+  </p:cSld>
+  <p:clrMapOvr>
+    <a:masterClrMapping/>
+  </p:clrMapOvr>
+  <p:timing>
+    <p:tnLst>
+      <p:par>
+        <p:cTn id="1" dur="indefinite" restart="never" nodeType="tmRoot"/>
+      </p:par>
+    </p:tnLst>
+  </p:timing>
+</p:sld>
+</file>
+
+<file path=ppt/slides/slide9.xml><?xml version="1.0" encoding="utf-8"?>
+<p:sld xmlns:a="http://schemas.openxmlformats.org/drawingml/2006/main" xmlns:r="http://schemas.openxmlformats.org/officeDocument/2006/relationships" xmlns:p="http://schemas.openxmlformats.org/presentationml/2006/main">
+  <p:cSld>
+    <p:spTree>
+      <p:nvGrpSpPr>
+        <p:cNvPr id="1" name=""/>
+        <p:cNvGrpSpPr/>
+        <p:nvPr/>
+      </p:nvGrpSpPr>
+      <p:grpSpPr>
+        <a:xfrm>
+          <a:off x="0" y="0"/>
+          <a:ext cx="0" cy="0"/>
+          <a:chOff x="0" y="0"/>
+          <a:chExt cx="0" cy="0"/>
+        </a:xfrm>
+      </p:grpSpPr>
+      <p:pic>
+        <p:nvPicPr>
+          <p:cNvPr id="4" name="Рисунок 3"/>
+          <p:cNvPicPr>
+            <a:picLocks noChangeAspect="1"/>
+          </p:cNvPicPr>
+          <p:nvPr/>
+        </p:nvPicPr>
+        <p:blipFill>
+          <a:blip r:embed="rId2">
+            <a:extLst>
+              <a:ext uri="{28A0092B-C50C-407E-A947-70E740481C1C}">
+                <a14:useLocalDpi xmlns:a14="http://schemas.microsoft.com/office/drawing/2010/main" val="0"/>
+              </a:ext>
+            </a:extLst>
+          </a:blip>
+          <a:stretch>
+            <a:fillRect/>
+          </a:stretch>
+        </p:blipFill>
+        <p:spPr>
+          <a:xfrm>
+            <a:off x="0" y="0"/>
+            <a:ext cx="12192000" cy="6858000"/>
+          </a:xfrm>
+          <a:prstGeom prst="rect">
+            <a:avLst/>
+          </a:prstGeom>
+        </p:spPr>
+      </p:pic>
+    </p:spTree>
+    <p:extLst>
+      <p:ext uri="{BB962C8B-B14F-4D97-AF65-F5344CB8AC3E}">
+        <p14:creationId xmlns:p14="http://schemas.microsoft.com/office/powerpoint/2010/main" val="741574174"/>
       </p:ext>
     </p:extLst>
   </p:cSld>
